--- a/08.Partitions_And_LVM_And_Filesystems/08-PartitionsLVMFileSystems.pptx
+++ b/08.Partitions_And_LVM_And_Filesystems/08-PartitionsLVMFileSystems.pptx
@@ -314,7 +314,7 @@
           <a:p>
             <a:fld id="{3EA744D9-3FBE-48D8-BF2A-85DF203E4D20}" type="datetimeFigureOut">
               <a:rPr lang="bg-BG" smtClean="0"/>
-              <a:t>21.03.17 г.</a:t>
+              <a:t>21.04.17 г.</a:t>
             </a:fld>
             <a:endParaRPr lang="bg-BG"/>
           </a:p>
@@ -484,7 +484,7 @@
           <a:p>
             <a:fld id="{3EA744D9-3FBE-48D8-BF2A-85DF203E4D20}" type="datetimeFigureOut">
               <a:rPr lang="bg-BG" smtClean="0"/>
-              <a:t>21.03.17 г.</a:t>
+              <a:t>21.04.17 г.</a:t>
             </a:fld>
             <a:endParaRPr lang="bg-BG"/>
           </a:p>
@@ -664,7 +664,7 @@
           <a:p>
             <a:fld id="{3EA744D9-3FBE-48D8-BF2A-85DF203E4D20}" type="datetimeFigureOut">
               <a:rPr lang="bg-BG" smtClean="0"/>
-              <a:t>21.03.17 г.</a:t>
+              <a:t>21.04.17 г.</a:t>
             </a:fld>
             <a:endParaRPr lang="bg-BG"/>
           </a:p>
@@ -834,7 +834,7 @@
           <a:p>
             <a:fld id="{3EA744D9-3FBE-48D8-BF2A-85DF203E4D20}" type="datetimeFigureOut">
               <a:rPr lang="bg-BG" smtClean="0"/>
-              <a:t>21.03.17 г.</a:t>
+              <a:t>21.04.17 г.</a:t>
             </a:fld>
             <a:endParaRPr lang="bg-BG"/>
           </a:p>
@@ -1080,7 +1080,7 @@
           <a:p>
             <a:fld id="{3EA744D9-3FBE-48D8-BF2A-85DF203E4D20}" type="datetimeFigureOut">
               <a:rPr lang="bg-BG" smtClean="0"/>
-              <a:t>21.03.17 г.</a:t>
+              <a:t>21.04.17 г.</a:t>
             </a:fld>
             <a:endParaRPr lang="bg-BG"/>
           </a:p>
@@ -1368,7 +1368,7 @@
           <a:p>
             <a:fld id="{3EA744D9-3FBE-48D8-BF2A-85DF203E4D20}" type="datetimeFigureOut">
               <a:rPr lang="bg-BG" smtClean="0"/>
-              <a:t>21.03.17 г.</a:t>
+              <a:t>21.04.17 г.</a:t>
             </a:fld>
             <a:endParaRPr lang="bg-BG"/>
           </a:p>
@@ -1790,7 +1790,7 @@
           <a:p>
             <a:fld id="{3EA744D9-3FBE-48D8-BF2A-85DF203E4D20}" type="datetimeFigureOut">
               <a:rPr lang="bg-BG" smtClean="0"/>
-              <a:t>21.03.17 г.</a:t>
+              <a:t>21.04.17 г.</a:t>
             </a:fld>
             <a:endParaRPr lang="bg-BG"/>
           </a:p>
@@ -1908,7 +1908,7 @@
           <a:p>
             <a:fld id="{3EA744D9-3FBE-48D8-BF2A-85DF203E4D20}" type="datetimeFigureOut">
               <a:rPr lang="bg-BG" smtClean="0"/>
-              <a:t>21.03.17 г.</a:t>
+              <a:t>21.04.17 г.</a:t>
             </a:fld>
             <a:endParaRPr lang="bg-BG"/>
           </a:p>
@@ -2003,7 +2003,7 @@
           <a:p>
             <a:fld id="{3EA744D9-3FBE-48D8-BF2A-85DF203E4D20}" type="datetimeFigureOut">
               <a:rPr lang="bg-BG" smtClean="0"/>
-              <a:t>21.03.17 г.</a:t>
+              <a:t>21.04.17 г.</a:t>
             </a:fld>
             <a:endParaRPr lang="bg-BG"/>
           </a:p>
@@ -2280,7 +2280,7 @@
           <a:p>
             <a:fld id="{3EA744D9-3FBE-48D8-BF2A-85DF203E4D20}" type="datetimeFigureOut">
               <a:rPr lang="bg-BG" smtClean="0"/>
-              <a:t>21.03.17 г.</a:t>
+              <a:t>21.04.17 г.</a:t>
             </a:fld>
             <a:endParaRPr lang="bg-BG"/>
           </a:p>
@@ -2533,7 +2533,7 @@
           <a:p>
             <a:fld id="{3EA744D9-3FBE-48D8-BF2A-85DF203E4D20}" type="datetimeFigureOut">
               <a:rPr lang="bg-BG" smtClean="0"/>
-              <a:t>21.03.17 г.</a:t>
+              <a:t>21.04.17 г.</a:t>
             </a:fld>
             <a:endParaRPr lang="bg-BG"/>
           </a:p>
@@ -2755,7 +2755,7 @@
           <a:p>
             <a:fld id="{3EA744D9-3FBE-48D8-BF2A-85DF203E4D20}" type="datetimeFigureOut">
               <a:rPr lang="bg-BG" smtClean="0"/>
-              <a:t>21.03.17 г.</a:t>
+              <a:t>21.04.17 г.</a:t>
             </a:fld>
             <a:endParaRPr lang="bg-BG"/>
           </a:p>
@@ -3437,7 +3437,23 @@
                   <a:schemeClr val="accent6"/>
                 </a:solidFill>
               </a:rPr>
-              <a:t>					“Blue” partition. </a:t>
+              <a:t>					“Blue” </a:t>
+            </a:r>
+            <a:r>
+              <a:rPr lang="en-US" sz="3100" dirty="0" smtClean="0">
+                <a:solidFill>
+                  <a:schemeClr val="accent6"/>
+                </a:solidFill>
+              </a:rPr>
+              <a:t>= partition</a:t>
+            </a:r>
+            <a:r>
+              <a:rPr lang="en-US" sz="3100" dirty="0" smtClean="0">
+                <a:solidFill>
+                  <a:schemeClr val="accent6"/>
+                </a:solidFill>
+              </a:rPr>
+              <a:t>. </a:t>
             </a:r>
             <a:br>
               <a:rPr lang="en-US" sz="3100" dirty="0" smtClean="0">
@@ -4211,7 +4227,7 @@
             <a:r>
               <a:rPr lang="en-US" sz="1400" dirty="0" smtClean="0">
                 <a:solidFill>
-                  <a:schemeClr val="accent6"/>
+                  <a:srgbClr val="FF0000"/>
                 </a:solidFill>
               </a:rPr>
               <a:t>Answers:</a:t>
@@ -4219,7 +4235,7 @@
             <a:br>
               <a:rPr lang="en-US" sz="1400" dirty="0" smtClean="0">
                 <a:solidFill>
-                  <a:schemeClr val="accent6"/>
+                  <a:srgbClr val="FF0000"/>
                 </a:solidFill>
               </a:rPr>
             </a:br>
@@ -4247,28 +4263,12 @@
               <a:t>2. Support for </a:t>
             </a:r>
             <a:r>
-              <a:rPr lang="en-US" sz="1400" dirty="0" err="1" smtClean="0">
-                <a:solidFill>
-                  <a:schemeClr val="accent6"/>
-                </a:solidFill>
-              </a:rPr>
-              <a:t>snapshost</a:t>
-            </a:r>
-            <a:r>
               <a:rPr lang="en-US" sz="1400" dirty="0" smtClean="0">
                 <a:solidFill>
                   <a:schemeClr val="accent6"/>
                 </a:solidFill>
               </a:rPr>
-              <a:t> ( a snapshot keeps the current state of a logical volume and can be used t </a:t>
-            </a:r>
-            <a:r>
-              <a:rPr lang="en-US" sz="1400" dirty="0" err="1" smtClean="0">
-                <a:solidFill>
-                  <a:schemeClr val="accent6"/>
-                </a:solidFill>
-              </a:rPr>
-              <a:t>orevert</a:t>
+              <a:t>snapshot( </a:t>
             </a:r>
             <a:r>
               <a:rPr lang="en-US" sz="1400" dirty="0" smtClean="0">
@@ -4276,7 +4276,23 @@
                   <a:schemeClr val="accent6"/>
                 </a:solidFill>
               </a:rPr>
-              <a:t> to a previous situation or to make a backup of the file system on the logical volume )</a:t>
+              <a:t>a snapshot keeps the current state of a logical volume and can be used </a:t>
+            </a:r>
+            <a:r>
+              <a:rPr lang="en-US" sz="1400" dirty="0" smtClean="0">
+                <a:solidFill>
+                  <a:schemeClr val="accent6"/>
+                </a:solidFill>
+              </a:rPr>
+              <a:t>to revert </a:t>
+            </a:r>
+            <a:r>
+              <a:rPr lang="en-US" sz="1400" dirty="0" smtClean="0">
+                <a:solidFill>
+                  <a:schemeClr val="accent6"/>
+                </a:solidFill>
+              </a:rPr>
+              <a:t>to a previous situation or to make a backup of the file system on the logical volume )</a:t>
             </a:r>
             <a:br>
               <a:rPr lang="en-US" sz="1400" dirty="0" smtClean="0">
@@ -4495,11 +4511,19 @@
             <a:r>
               <a:rPr lang="en-US" dirty="0" smtClean="0">
                 <a:solidFill>
-                  <a:schemeClr val="accent6"/>
+                  <a:srgbClr val="FF0000"/>
                 </a:solidFill>
               </a:rPr>
               <a:t>Homework:</a:t>
             </a:r>
+            <a:r>
+              <a:rPr lang="en-US" dirty="0" smtClean="0">
+                <a:solidFill>
+                  <a:schemeClr val="accent6"/>
+                </a:solidFill>
+              </a:rPr>
+              <a:t/>
+            </a:r>
             <a:br>
               <a:rPr lang="en-US" dirty="0" smtClean="0">
                 <a:solidFill>
@@ -4529,23 +4553,31 @@
                   <a:schemeClr val="accent6"/>
                 </a:solidFill>
               </a:rPr>
-              <a:t>) and </a:t>
-            </a:r>
-            <a:r>
-              <a:rPr lang="en-US" dirty="0" err="1" smtClean="0">
-                <a:solidFill>
-                  <a:schemeClr val="accent6"/>
-                </a:solidFill>
-              </a:rPr>
-              <a:t>moun</a:t>
-            </a:r>
-            <a:r>
-              <a:rPr lang="en-US" dirty="0" smtClean="0">
-                <a:solidFill>
-                  <a:schemeClr val="accent6"/>
-                </a:solidFill>
-              </a:rPr>
-              <a:t> them in /</a:t>
+              <a:t>) </a:t>
+            </a:r>
+            <a:r>
+              <a:rPr lang="en-US" smtClean="0">
+                <a:solidFill>
+                  <a:schemeClr val="accent6"/>
+                </a:solidFill>
+              </a:rPr>
+              <a:t>and </a:t>
+            </a:r>
+            <a:r>
+              <a:rPr lang="en-US" smtClean="0">
+                <a:solidFill>
+                  <a:schemeClr val="accent6"/>
+                </a:solidFill>
+              </a:rPr>
+              <a:t>mount </a:t>
+            </a:r>
+            <a:r>
+              <a:rPr lang="en-US" dirty="0" smtClean="0">
+                <a:solidFill>
+                  <a:schemeClr val="accent6"/>
+                </a:solidFill>
+              </a:rPr>
+              <a:t>them in /</a:t>
             </a:r>
             <a:r>
               <a:rPr lang="en-US" dirty="0" err="1" smtClean="0">
@@ -4705,18 +4737,50 @@
                   <a:schemeClr val="accent6"/>
                 </a:solidFill>
               </a:rPr>
-              <a:t>In Linux, for the most part you have ‘Character’ and ‘Block’ devices.</a:t>
-            </a:r>
-            <a:br>
+              <a:t>In Linux, for the most part you have ‘</a:t>
+            </a:r>
+            <a:r>
               <a:rPr lang="en-US" sz="1800" dirty="0" smtClean="0">
                 <a:solidFill>
-                  <a:schemeClr val="accent6"/>
-                </a:solidFill>
-              </a:rPr>
-            </a:br>
+                  <a:schemeClr val="bg1"/>
+                </a:solidFill>
+              </a:rPr>
+              <a:t>Character</a:t>
+            </a:r>
             <a:r>
               <a:rPr lang="en-US" sz="1800" dirty="0" smtClean="0">
                 <a:solidFill>
+                  <a:schemeClr val="accent6"/>
+                </a:solidFill>
+              </a:rPr>
+              <a:t>’ and ‘</a:t>
+            </a:r>
+            <a:r>
+              <a:rPr lang="en-US" sz="1800" dirty="0" smtClean="0">
+                <a:solidFill>
+                  <a:schemeClr val="bg1"/>
+                </a:solidFill>
+              </a:rPr>
+              <a:t>Block</a:t>
+            </a:r>
+            <a:r>
+              <a:rPr lang="en-US" sz="1800" dirty="0" smtClean="0">
+                <a:solidFill>
+                  <a:schemeClr val="accent6"/>
+                </a:solidFill>
+              </a:rPr>
+              <a:t>’ devices.</a:t>
+            </a:r>
+            <a:br>
+              <a:rPr lang="en-US" sz="1800" dirty="0" smtClean="0">
+                <a:solidFill>
+                  <a:schemeClr val="accent6"/>
+                </a:solidFill>
+              </a:rPr>
+            </a:br>
+            <a:r>
+              <a:rPr lang="en-US" sz="1800" dirty="0" smtClean="0">
+                <a:solidFill>
                   <a:srgbClr val="FF0000"/>
                 </a:solidFill>
               </a:rPr>
@@ -4874,7 +4938,71 @@
                   <a:schemeClr val="accent6"/>
                 </a:solidFill>
               </a:rPr>
-              <a:t>An interface is a channel capable of transferring data in parallel mode – transmitting multiple bits simultaneously. The most common interfaces are SCSI and SATA. Linux started representing the device with the SCSI/IDE interfaces and continued with just SCSI, no matter that the hard disk might use SATA. IDEs are no longer used.</a:t>
+              <a:t>An interface is a channel capable of transferring data in parallel mode – transmitting multiple bits simultaneously. The most common interfaces are </a:t>
+            </a:r>
+            <a:r>
+              <a:rPr lang="en-US" sz="1800" dirty="0" smtClean="0">
+                <a:solidFill>
+                  <a:schemeClr val="accent6"/>
+                </a:solidFill>
+              </a:rPr>
+              <a:t>SCSI and SATA. </a:t>
+            </a:r>
+            <a:r>
+              <a:rPr lang="en-US" sz="1800" dirty="0" smtClean="0">
+                <a:solidFill>
+                  <a:schemeClr val="accent6"/>
+                </a:solidFill>
+              </a:rPr>
+              <a:t>Linux started representing the device with the SCSI/IDE interfaces and </a:t>
+            </a:r>
+            <a:r>
+              <a:rPr lang="en-US" sz="1800" dirty="0" smtClean="0">
+                <a:solidFill>
+                  <a:schemeClr val="accent6"/>
+                </a:solidFill>
+              </a:rPr>
+              <a:t>continued </a:t>
+            </a:r>
+            <a:r>
+              <a:rPr lang="en-US" sz="1800" dirty="0" smtClean="0">
+                <a:solidFill>
+                  <a:schemeClr val="accent6"/>
+                </a:solidFill>
+              </a:rPr>
+              <a:t>to use</a:t>
+            </a:r>
+            <a:r>
+              <a:rPr lang="en-US" sz="1800" dirty="0" smtClean="0">
+                <a:solidFill>
+                  <a:schemeClr val="accent6"/>
+                </a:solidFill>
+              </a:rPr>
+              <a:t> </a:t>
+            </a:r>
+            <a:r>
+              <a:rPr lang="en-US" sz="1800" dirty="0" smtClean="0">
+                <a:solidFill>
+                  <a:schemeClr val="accent6"/>
+                </a:solidFill>
+              </a:rPr>
+              <a:t>just SCSI, no matter that the hard disk might use </a:t>
+            </a:r>
+            <a:r>
+              <a:rPr lang="en-US" sz="1800" dirty="0" smtClean="0">
+                <a:solidFill>
+                  <a:schemeClr val="accent6"/>
+                </a:solidFill>
+              </a:rPr>
+              <a:t>SATA. </a:t>
+            </a:r>
+            <a:r>
+              <a:rPr lang="en-US" sz="1800" dirty="0" smtClean="0">
+                <a:solidFill>
+                  <a:schemeClr val="accent6"/>
+                </a:solidFill>
+              </a:rPr>
+              <a:t>IDEs are no longer used.</a:t>
             </a:r>
             <a:br>
               <a:rPr lang="en-US" sz="1800" dirty="0" smtClean="0">
@@ -5199,7 +5327,39 @@
                   <a:schemeClr val="accent6"/>
                 </a:solidFill>
               </a:rPr>
-              <a:t>When the personal computer was invented in early 1982s, a system was needed to defines hard disk layout. It became known as Master Boot Record(MBR). It is stored on the first sector and represents how the hard disk is partitioned and it also loads the boot loader. The limitation of MBR is that only 4 partitions could be created. A workaround is to create an extended partition, within it, a number of logical partitions.</a:t>
+              <a:t>When the personal computer was invented in early 1982s, a system was needed to defines hard disk layout. It became known as </a:t>
+            </a:r>
+            <a:r>
+              <a:rPr lang="en-US" sz="2000" dirty="0" smtClean="0">
+                <a:solidFill>
+                  <a:schemeClr val="bg1"/>
+                </a:solidFill>
+              </a:rPr>
+              <a:t>Master Boot Record(MBR). </a:t>
+            </a:r>
+            <a:r>
+              <a:rPr lang="en-US" sz="2000" dirty="0" smtClean="0">
+                <a:solidFill>
+                  <a:schemeClr val="accent6"/>
+                </a:solidFill>
+              </a:rPr>
+              <a:t>It is stored on the first </a:t>
+            </a:r>
+            <a:r>
+              <a:rPr lang="en-US" sz="2000" dirty="0" smtClean="0">
+                <a:solidFill>
+                  <a:schemeClr val="accent6"/>
+                </a:solidFill>
+              </a:rPr>
+              <a:t>sector ( boot sector ) </a:t>
+            </a:r>
+            <a:r>
+              <a:rPr lang="en-US" sz="2000" dirty="0" smtClean="0">
+                <a:solidFill>
+                  <a:schemeClr val="accent6"/>
+                </a:solidFill>
+              </a:rPr>
+              <a:t>and represents how the hard disk is partitioned and it also loads the boot loader. The limitation of MBR is that only 4 partitions could be created. A workaround is to create an extended partition, within it, a number of logical partitions.</a:t>
             </a:r>
             <a:br>
               <a:rPr lang="en-US" sz="2000" dirty="0" smtClean="0">
@@ -5395,7 +5555,7 @@
             <a:r>
               <a:rPr lang="en-US" dirty="0" err="1" smtClean="0">
                 <a:solidFill>
-                  <a:schemeClr val="accent6"/>
+                  <a:schemeClr val="bg1"/>
                 </a:solidFill>
               </a:rPr>
               <a:t>fdisk</a:t>
@@ -5452,12 +5612,36 @@
                   <a:schemeClr val="accent6"/>
                 </a:solidFill>
               </a:rPr>
-              <a:t>3.   Read the manual page of ‘</a:t>
+              <a:t>3.   Read the manual page </a:t>
+            </a:r>
+            <a:r>
+              <a:rPr lang="en-US" dirty="0" smtClean="0">
+                <a:solidFill>
+                  <a:schemeClr val="accent6"/>
+                </a:solidFill>
+              </a:rPr>
+              <a:t>for</a:t>
+            </a:r>
+            <a:r>
+              <a:rPr lang="en-US" dirty="0" smtClean="0">
+                <a:solidFill>
+                  <a:schemeClr val="accent6"/>
+                </a:solidFill>
+              </a:rPr>
+              <a:t> </a:t>
+            </a:r>
+            <a:r>
+              <a:rPr lang="en-US" dirty="0" smtClean="0">
+                <a:solidFill>
+                  <a:schemeClr val="accent6"/>
+                </a:solidFill>
+              </a:rPr>
+              <a:t>‘</a:t>
             </a:r>
             <a:r>
               <a:rPr lang="en-US" dirty="0" err="1" smtClean="0">
                 <a:solidFill>
-                  <a:schemeClr val="accent6"/>
+                  <a:schemeClr val="bg1"/>
                 </a:solidFill>
               </a:rPr>
               <a:t>partprobe</a:t>
@@ -5488,7 +5672,23 @@
                   <a:schemeClr val="accent6"/>
                 </a:solidFill>
               </a:rPr>
-              <a:t>5.  Google what does a ‘swap’ partition do, create one swap partition.</a:t>
+              <a:t>5.  Google what does a ‘</a:t>
+            </a:r>
+            <a:r>
+              <a:rPr lang="en-US" dirty="0" smtClean="0">
+                <a:solidFill>
+                  <a:schemeClr val="bg1"/>
+                </a:solidFill>
+              </a:rPr>
+              <a:t>swap</a:t>
+            </a:r>
+            <a:r>
+              <a:rPr lang="en-US" dirty="0" smtClean="0">
+                <a:solidFill>
+                  <a:schemeClr val="accent6"/>
+                </a:solidFill>
+              </a:rPr>
+              <a:t>’ partition do, create one swap partition.</a:t>
             </a:r>
           </a:p>
         </p:txBody>
@@ -5532,7 +5732,7 @@
         <p:spPr>
           <a:xfrm>
             <a:off x="304800" y="685800"/>
-            <a:ext cx="8305800" cy="6586418"/>
+            <a:ext cx="8305800" cy="6863417"/>
           </a:xfrm>
           <a:prstGeom prst="rect">
             <a:avLst/>
@@ -5548,20 +5748,83 @@
             <a:r>
               <a:rPr lang="en-US" dirty="0" smtClean="0">
                 <a:solidFill>
-                  <a:schemeClr val="accent6"/>
-                </a:solidFill>
-              </a:rPr>
-              <a:t>The need for GPT Partitions</a:t>
-            </a:r>
-          </a:p>
-          <a:p>
-            <a:r>
-              <a:rPr lang="en-US" dirty="0" smtClean="0">
-                <a:solidFill>
-                  <a:schemeClr val="accent6"/>
-                </a:solidFill>
-              </a:rPr>
-              <a:t>Current computer hard drives have become too big to be addressed by the MBR partitions. That is why a new partitioning scheme was needed. This scheme is the GUID Partition Table(GPT). On computers using the new Unified Extensible Firmware Interface (UEFI) as a replacement for the old BIOS, GPT partitions are the only way to address disks.</a:t>
+                  <a:schemeClr val="bg1"/>
+                </a:solidFill>
+              </a:rPr>
+              <a:t>The need for GPT </a:t>
+            </a:r>
+            <a:r>
+              <a:rPr lang="en-US" dirty="0" smtClean="0">
+                <a:solidFill>
+                  <a:schemeClr val="bg1"/>
+                </a:solidFill>
+              </a:rPr>
+              <a:t>Partitions</a:t>
+            </a:r>
+          </a:p>
+          <a:p>
+            <a:endParaRPr lang="en-US" dirty="0" smtClean="0">
+              <a:solidFill>
+                <a:schemeClr val="bg1"/>
+              </a:solidFill>
+            </a:endParaRPr>
+          </a:p>
+          <a:p>
+            <a:r>
+              <a:rPr lang="en-US" dirty="0" smtClean="0">
+                <a:solidFill>
+                  <a:schemeClr val="accent6"/>
+                </a:solidFill>
+              </a:rPr>
+              <a:t>Current computer hard drives have become too big to be addressed by the MBR partitions. That is why a new partitioning scheme was needed. This scheme is the </a:t>
+            </a:r>
+            <a:r>
+              <a:rPr lang="en-US" dirty="0" smtClean="0">
+                <a:solidFill>
+                  <a:schemeClr val="bg1"/>
+                </a:solidFill>
+              </a:rPr>
+              <a:t>GUID Partition Table(GPT). </a:t>
+            </a:r>
+            <a:r>
+              <a:rPr lang="en-US" dirty="0" smtClean="0">
+                <a:solidFill>
+                  <a:schemeClr val="accent6"/>
+                </a:solidFill>
+              </a:rPr>
+              <a:t>On computers using the new </a:t>
+            </a:r>
+            <a:r>
+              <a:rPr lang="en-US" dirty="0" smtClean="0">
+                <a:solidFill>
+                  <a:schemeClr val="bg1"/>
+                </a:solidFill>
+              </a:rPr>
+              <a:t>Unified Extensible Firmware Interface (UEFI)</a:t>
+            </a:r>
+            <a:r>
+              <a:rPr lang="en-US" dirty="0" smtClean="0">
+                <a:solidFill>
+                  <a:schemeClr val="accent6"/>
+                </a:solidFill>
+              </a:rPr>
+              <a:t> as a replacement for the old </a:t>
+            </a:r>
+            <a:r>
+              <a:rPr lang="en-US" dirty="0" smtClean="0">
+                <a:solidFill>
+                  <a:schemeClr val="bg1"/>
+                </a:solidFill>
+              </a:rPr>
+              <a:t>BIOS</a:t>
+            </a:r>
+            <a:r>
+              <a:rPr lang="en-US" dirty="0" smtClean="0">
+                <a:solidFill>
+                  <a:schemeClr val="accent6"/>
+                </a:solidFill>
+              </a:rPr>
+              <a:t>, GPT partitions are the only way to address disks.</a:t>
             </a:r>
           </a:p>
           <a:p>
@@ -5578,7 +5841,31 @@
                   <a:schemeClr val="accent6"/>
                 </a:solidFill>
               </a:rPr>
-              <a:t>In GPT, up to 128 partitions can be created. A backup copy of the GUID partition table is created by default at the end of the disk, which eliminates the single point of failure that exists in MBR. The 2TB limit no longer exists.</a:t>
+              <a:t>In GPT, up to 128 partitions can be created. A backup copy of the </a:t>
+            </a:r>
+            <a:r>
+              <a:rPr lang="en-US" dirty="0" smtClean="0">
+                <a:solidFill>
+                  <a:schemeClr val="bg1"/>
+                </a:solidFill>
+              </a:rPr>
+              <a:t>GPT</a:t>
+            </a:r>
+            <a:r>
+              <a:rPr lang="en-US" dirty="0" smtClean="0">
+                <a:solidFill>
+                  <a:schemeClr val="accent6"/>
+                </a:solidFill>
+              </a:rPr>
+              <a:t> </a:t>
+            </a:r>
+            <a:r>
+              <a:rPr lang="en-US" dirty="0" smtClean="0">
+                <a:solidFill>
+                  <a:schemeClr val="accent6"/>
+                </a:solidFill>
+              </a:rPr>
+              <a:t>partition table is created by default at the end of the disk, which eliminates the single point of failure that exists in MBR. The 2TB limit no longer exists.</a:t>
             </a:r>
           </a:p>
           <a:p>
@@ -5611,12 +5898,36 @@
                   <a:schemeClr val="accent6"/>
                 </a:solidFill>
               </a:rPr>
-              <a:t> is not stable, for GPT use </a:t>
+              <a:t> is not stable, for </a:t>
+            </a:r>
+            <a:r>
+              <a:rPr lang="en-US" dirty="0" smtClean="0">
+                <a:solidFill>
+                  <a:schemeClr val="bg1"/>
+                </a:solidFill>
+              </a:rPr>
+              <a:t>GPT </a:t>
+            </a:r>
+            <a:r>
+              <a:rPr lang="en-US" dirty="0" smtClean="0">
+                <a:solidFill>
+                  <a:schemeClr val="accent6"/>
+                </a:solidFill>
+              </a:rPr>
+              <a:t>use</a:t>
+            </a:r>
+            <a:r>
+              <a:rPr lang="en-US" dirty="0" smtClean="0">
+                <a:solidFill>
+                  <a:schemeClr val="bg1"/>
+                </a:solidFill>
+              </a:rPr>
+              <a:t> </a:t>
             </a:r>
             <a:r>
               <a:rPr lang="en-US" dirty="0" err="1" smtClean="0">
                 <a:solidFill>
-                  <a:schemeClr val="accent6"/>
+                  <a:schemeClr val="bg1"/>
                 </a:solidFill>
               </a:rPr>
               <a:t>gdisk</a:t>
@@ -5921,7 +6232,23 @@
                   <a:schemeClr val="accent6"/>
                 </a:solidFill>
               </a:rPr>
-              <a:t>’. Almost each file system has a journal that helps it to recover after a crash(unexpected power off).</a:t>
+              <a:t>’. Almost each file system has a </a:t>
+            </a:r>
+            <a:r>
+              <a:rPr lang="en-US" sz="2200" dirty="0" smtClean="0">
+                <a:solidFill>
+                  <a:schemeClr val="bg2"/>
+                </a:solidFill>
+              </a:rPr>
+              <a:t>journal</a:t>
+            </a:r>
+            <a:r>
+              <a:rPr lang="en-US" sz="2200" dirty="0" smtClean="0">
+                <a:solidFill>
+                  <a:schemeClr val="accent6"/>
+                </a:solidFill>
+              </a:rPr>
+              <a:t> that helps it to recover after a crash(unexpected power off).</a:t>
             </a:r>
             <a:endParaRPr lang="en-US" sz="2200" dirty="0">
               <a:solidFill>
@@ -6031,7 +6358,15 @@
                   <a:schemeClr val="accent6"/>
                 </a:solidFill>
               </a:rPr>
-              <a:t>’, try to explain it to your colleague ?  </a:t>
+              <a:t>’, try to explain it to your </a:t>
+            </a:r>
+            <a:r>
+              <a:rPr lang="en-US" dirty="0" smtClean="0">
+                <a:solidFill>
+                  <a:schemeClr val="accent6"/>
+                </a:solidFill>
+              </a:rPr>
+              <a:t>colleagues ?  </a:t>
             </a:r>
             <a:endParaRPr lang="en-US" dirty="0">
               <a:solidFill>
@@ -6249,7 +6584,39 @@
                   <a:schemeClr val="accent6"/>
                 </a:solidFill>
               </a:rPr>
-              <a:t>We have GPT disk and MBR disk partitioned, let’s create some file systems on them. Each file system on Linux has a mount point, a place in the / file system where it’s attached. Each file system also needs a blocking device to store and retrieve its data.</a:t>
+              <a:t>We have GPT disk and MBR disk partitioned, let’s create some file systems on them. Each file system on Linux has a </a:t>
+            </a:r>
+            <a:r>
+              <a:rPr lang="en-US" sz="2200" dirty="0" smtClean="0">
+                <a:solidFill>
+                  <a:schemeClr val="bg2"/>
+                </a:solidFill>
+              </a:rPr>
+              <a:t>mount point</a:t>
+            </a:r>
+            <a:r>
+              <a:rPr lang="en-US" sz="2200" dirty="0" smtClean="0">
+                <a:solidFill>
+                  <a:schemeClr val="accent6"/>
+                </a:solidFill>
+              </a:rPr>
+              <a:t>, a place in the </a:t>
+            </a:r>
+            <a:r>
+              <a:rPr lang="en-US" sz="2200" dirty="0" smtClean="0">
+                <a:solidFill>
+                  <a:schemeClr val="bg2"/>
+                </a:solidFill>
+              </a:rPr>
+              <a:t>/ file system </a:t>
+            </a:r>
+            <a:r>
+              <a:rPr lang="en-US" sz="2200" dirty="0" smtClean="0">
+                <a:solidFill>
+                  <a:schemeClr val="accent6"/>
+                </a:solidFill>
+              </a:rPr>
+              <a:t>where it’s attached. Each file system also needs a blocking device to store and retrieve its data.</a:t>
             </a:r>
             <a:br>
               <a:rPr lang="en-US" sz="2200" dirty="0" smtClean="0">
@@ -6610,34 +6977,6 @@
                 <a:schemeClr val="accent6"/>
               </a:solidFill>
             </a:endParaRPr>
-          </a:p>
-        </p:txBody>
-      </p:sp>
-      <p:sp>
-        <p:nvSpPr>
-          <p:cNvPr id="3" name="Content Placeholder 2"/>
-          <p:cNvSpPr>
-            <a:spLocks noGrp="1"/>
-          </p:cNvSpPr>
-          <p:nvPr>
-            <p:ph idx="1"/>
-          </p:nvPr>
-        </p:nvSpPr>
-        <p:spPr>
-          <a:xfrm>
-            <a:off x="381000" y="762000"/>
-            <a:ext cx="8229600" cy="3459163"/>
-          </a:xfrm>
-        </p:spPr>
-        <p:txBody>
-          <a:bodyPr/>
-          <a:lstStyle/>
-          <a:p>
-            <a:r>
-              <a:rPr lang="en-US" dirty="0" smtClean="0"/>
-              <a:t>e</a:t>
-            </a:r>
-            <a:endParaRPr lang="en-US" dirty="0"/>
           </a:p>
         </p:txBody>
       </p:sp>
@@ -6889,15 +7228,23 @@
                   <a:schemeClr val="accent6"/>
                 </a:solidFill>
               </a:rPr>
-              <a:t>When </a:t>
+              <a:t>When you mount a file system on a partition, always use </a:t>
             </a:r>
             <a:r>
               <a:rPr lang="en-US" sz="2000" dirty="0" smtClean="0">
                 <a:solidFill>
-                  <a:schemeClr val="accent6"/>
-                </a:solidFill>
-              </a:rPr>
-              <a:t>you mount a file system on a partition, always use UUID. Unique Identified for each block device, ru</a:t>
+                  <a:schemeClr val="bg2"/>
+                </a:solidFill>
+              </a:rPr>
+              <a:t>UUID</a:t>
+            </a:r>
+            <a:r>
+              <a:rPr lang="en-US" sz="2000" dirty="0" smtClean="0">
+                <a:solidFill>
+                  <a:schemeClr val="accent6"/>
+                </a:solidFill>
+              </a:rPr>
+              <a:t>. Unique Identified for each block device, ru</a:t>
             </a:r>
             <a:r>
               <a:rPr lang="en-US" sz="2000" dirty="0">
@@ -6918,7 +7265,7 @@
             <a:r>
               <a:rPr lang="en-US" sz="2000" dirty="0" err="1" smtClean="0">
                 <a:solidFill>
-                  <a:schemeClr val="accent6"/>
+                  <a:schemeClr val="bg2"/>
                 </a:solidFill>
               </a:rPr>
               <a:t>blkid</a:t>
@@ -6959,12 +7306,20 @@
                   <a:schemeClr val="accent6"/>
                 </a:solidFill>
               </a:rPr>
-              <a:t>If your file system is not temporary solution, you want it to be mounted in the file /</a:t>
+              <a:t>If your file system is not temporary solution, you want it to be mounted in the file </a:t>
+            </a:r>
+            <a:r>
+              <a:rPr lang="en-US" sz="2000" dirty="0" smtClean="0">
+                <a:solidFill>
+                  <a:schemeClr val="bg2"/>
+                </a:solidFill>
+              </a:rPr>
+              <a:t>/</a:t>
             </a:r>
             <a:r>
               <a:rPr lang="en-US" sz="2000" dirty="0" err="1" smtClean="0">
                 <a:solidFill>
-                  <a:schemeClr val="accent6"/>
+                  <a:schemeClr val="bg2"/>
                 </a:solidFill>
               </a:rPr>
               <a:t>etc</a:t>
@@ -6972,7 +7327,7 @@
             <a:r>
               <a:rPr lang="en-US" sz="2000" dirty="0" smtClean="0">
                 <a:solidFill>
-                  <a:schemeClr val="accent6"/>
+                  <a:schemeClr val="bg2"/>
                 </a:solidFill>
               </a:rPr>
               <a:t>/</a:t>
@@ -6980,7 +7335,7 @@
             <a:r>
               <a:rPr lang="en-US" sz="2000" dirty="0" err="1" smtClean="0">
                 <a:solidFill>
-                  <a:schemeClr val="accent6"/>
+                  <a:schemeClr val="bg2"/>
                 </a:solidFill>
               </a:rPr>
               <a:t>fstab</a:t>
@@ -7003,10 +7358,18 @@
             <a:r>
               <a:rPr lang="en-US" sz="2000" dirty="0" smtClean="0">
                 <a:solidFill>
-                  <a:schemeClr val="accent6"/>
+                  <a:srgbClr val="FF0000"/>
                 </a:solidFill>
               </a:rPr>
               <a:t>Exercises:</a:t>
+            </a:r>
+            <a:r>
+              <a:rPr lang="en-US" sz="2000" dirty="0" smtClean="0">
+                <a:solidFill>
+                  <a:schemeClr val="accent6"/>
+                </a:solidFill>
+              </a:rPr>
+              <a:t/>
             </a:r>
             <a:br>
               <a:rPr lang="en-US" sz="2000" dirty="0" smtClean="0">
@@ -7518,11 +7881,27 @@
                   <a:schemeClr val="accent6"/>
                 </a:solidFill>
               </a:rPr>
-              <a:t>Scenario: You partitioned the disk, but you are running out of space on your local musical partition, and there are more pop-folk songs that you have not downloaded yet ? Issue ? </a:t>
-            </a:r>
-            <a:br>
+              <a:t>Scenario: You partitioned the disk, but you are running out of space on your local musical partition, and there are more pop-folk songs that you have not downloaded yet ? </a:t>
+            </a:r>
+            <a:r>
               <a:rPr lang="en-US" sz="1800" dirty="0" smtClean="0">
                 <a:solidFill>
+                  <a:schemeClr val="bg1"/>
+                </a:solidFill>
+              </a:rPr>
+              <a:t>Issue </a:t>
+            </a:r>
+            <a:r>
+              <a:rPr lang="en-US" sz="1800" dirty="0" smtClean="0">
+                <a:solidFill>
+                  <a:schemeClr val="accent6"/>
+                </a:solidFill>
+              </a:rPr>
+              <a:t>? </a:t>
+            </a:r>
+            <a:br>
+              <a:rPr lang="en-US" sz="1800" dirty="0" smtClean="0">
+                <a:solidFill>
                   <a:schemeClr val="accent6"/>
                 </a:solidFill>
               </a:rPr>
@@ -7593,22 +7972,61 @@
                   <a:schemeClr val="accent6"/>
                 </a:solidFill>
               </a:rPr>
-              <a:t/>
-            </a:r>
-            <a:br>
+              <a:t>3. What if it happens again ?</a:t>
+            </a:r>
+            <a:r>
               <a:rPr lang="en-US" sz="1800" dirty="0" smtClean="0">
                 <a:solidFill>
                   <a:schemeClr val="accent6"/>
                 </a:solidFill>
               </a:rPr>
-            </a:br>
-            <a:r>
+              <a:t/>
+            </a:r>
+            <a:br>
               <a:rPr lang="en-US" sz="1800" dirty="0" smtClean="0">
                 <a:solidFill>
                   <a:schemeClr val="accent6"/>
                 </a:solidFill>
               </a:rPr>
-              <a:t>Once allocated the space for partition pretty much remains static, in order to overcome this some smart guys invented Logical  Volume Manager(LVM).</a:t>
+            </a:br>
+            <a:r>
+              <a:rPr lang="en-US" sz="1800" dirty="0" smtClean="0">
+                <a:solidFill>
+                  <a:schemeClr val="accent6"/>
+                </a:solidFill>
+              </a:rPr>
+              <a:t/>
+            </a:r>
+            <a:br>
+              <a:rPr lang="en-US" sz="1800" dirty="0" smtClean="0">
+                <a:solidFill>
+                  <a:schemeClr val="accent6"/>
+                </a:solidFill>
+              </a:rPr>
+            </a:br>
+            <a:r>
+              <a:rPr lang="en-US" sz="1800" dirty="0" smtClean="0">
+                <a:solidFill>
+                  <a:schemeClr val="accent6"/>
+                </a:solidFill>
+              </a:rPr>
+              <a:t>Once allocated the space for partition pretty much remains static, in order to overcome this some smart guys invented </a:t>
+            </a:r>
+            <a:r>
+              <a:rPr lang="en-US" sz="1800" dirty="0" smtClean="0">
+                <a:solidFill>
+                  <a:schemeClr val="bg1"/>
+                </a:solidFill>
+              </a:rPr>
+              <a:t>Logical  Volume Manager(LVM).</a:t>
+            </a:r>
+            <a:r>
+              <a:rPr lang="en-US" sz="1800" dirty="0" smtClean="0">
+                <a:solidFill>
+                  <a:schemeClr val="accent6"/>
+                </a:solidFill>
+              </a:rPr>
+              <a:t/>
             </a:r>
             <a:br>
               <a:rPr lang="en-US" sz="1800" dirty="0" smtClean="0">
@@ -7692,8 +8110,8 @@
         </p:blipFill>
         <p:spPr>
           <a:xfrm>
-            <a:off x="2737051" y="4191000"/>
-            <a:ext cx="3593698" cy="2521270"/>
+            <a:off x="2737051" y="4343400"/>
+            <a:ext cx="3593698" cy="2368870"/>
           </a:xfrm>
           <a:prstGeom prst="rect">
             <a:avLst/>
@@ -7835,11 +8253,75 @@
                   <a:schemeClr val="accent6"/>
                 </a:solidFill>
               </a:rPr>
-              <a:t>On the lowest layer, the storage devices are used. These can be any storage devices, such as complete disks, partitions, logical units(LUNs) on a storage area network(SAN). The storage devices need to be flagged as physical volumes. A storage device that is a physical volume can be added to the volume group, which is the abstraction of all available storage, like a container. </a:t>
-            </a:r>
-            <a:br>
+              <a:t>On the lowest layer, the storage devices are used. These can be any storage devices, such as complete disks, partitions, </a:t>
+            </a:r>
+            <a:r>
               <a:rPr lang="en-US" sz="1800" dirty="0" smtClean="0">
                 <a:solidFill>
+                  <a:schemeClr val="bg1"/>
+                </a:solidFill>
+              </a:rPr>
+              <a:t>logical units(LUNs) </a:t>
+            </a:r>
+            <a:r>
+              <a:rPr lang="en-US" sz="1800" dirty="0" smtClean="0">
+                <a:solidFill>
+                  <a:schemeClr val="accent6"/>
+                </a:solidFill>
+              </a:rPr>
+              <a:t>on a </a:t>
+            </a:r>
+            <a:r>
+              <a:rPr lang="en-US" sz="1800" dirty="0" smtClean="0">
+                <a:solidFill>
+                  <a:schemeClr val="bg1"/>
+                </a:solidFill>
+              </a:rPr>
+              <a:t>storage area network(SAN). </a:t>
+            </a:r>
+            <a:r>
+              <a:rPr lang="en-US" sz="1800" dirty="0" smtClean="0">
+                <a:solidFill>
+                  <a:schemeClr val="accent6"/>
+                </a:solidFill>
+              </a:rPr>
+              <a:t>The storage devices need to be flagged as </a:t>
+            </a:r>
+            <a:r>
+              <a:rPr lang="en-US" sz="1800" dirty="0" smtClean="0">
+                <a:solidFill>
+                  <a:schemeClr val="bg1"/>
+                </a:solidFill>
+              </a:rPr>
+              <a:t>physical volumes</a:t>
+            </a:r>
+            <a:r>
+              <a:rPr lang="en-US" sz="1800" dirty="0" smtClean="0">
+                <a:solidFill>
+                  <a:schemeClr val="accent6"/>
+                </a:solidFill>
+              </a:rPr>
+              <a:t>. A storage device that is a physical volume can be added to the </a:t>
+            </a:r>
+            <a:r>
+              <a:rPr lang="en-US" sz="1800" dirty="0" smtClean="0">
+                <a:solidFill>
+                  <a:schemeClr val="bg1"/>
+                </a:solidFill>
+              </a:rPr>
+              <a:t>volume group</a:t>
+            </a:r>
+            <a:r>
+              <a:rPr lang="en-US" sz="1800" dirty="0" smtClean="0">
+                <a:solidFill>
+                  <a:schemeClr val="accent6"/>
+                </a:solidFill>
+              </a:rPr>
+              <a:t>, which is the abstraction of all available storage, like a container. </a:t>
+            </a:r>
+            <a:br>
+              <a:rPr lang="en-US" sz="1800" dirty="0" smtClean="0">
+                <a:solidFill>
                   <a:schemeClr val="accent6"/>
                 </a:solidFill>
               </a:rPr>
@@ -7865,7 +8347,23 @@
                   <a:schemeClr val="accent6"/>
                 </a:solidFill>
               </a:rPr>
-              <a:t>On the top of the volume group are the logical volumes. Logical volumes do not act on disks directly, but get their disk space from available disk space in the volume group. That means that a logical volume may consist of available storage from multiple physical volumes.</a:t>
+              <a:t>On the top of the volume group are the </a:t>
+            </a:r>
+            <a:r>
+              <a:rPr lang="en-US" sz="1800" dirty="0" smtClean="0">
+                <a:solidFill>
+                  <a:schemeClr val="bg1"/>
+                </a:solidFill>
+              </a:rPr>
+              <a:t>logical volumes</a:t>
+            </a:r>
+            <a:r>
+              <a:rPr lang="en-US" sz="1800" dirty="0" smtClean="0">
+                <a:solidFill>
+                  <a:schemeClr val="accent6"/>
+                </a:solidFill>
+              </a:rPr>
+              <a:t>. Logical volumes do not act on disks directly, but get their disk space from available disk space in the volume group. That means that a logical volume may consist of available storage from multiple physical volumes.</a:t>
             </a:r>
             <a:br>
               <a:rPr lang="en-US" sz="1800" dirty="0" smtClean="0">

--- a/08.Partitions_And_LVM_And_Filesystems/08-PartitionsLVMFileSystems.pptx
+++ b/08.Partitions_And_LVM_And_Filesystems/08-PartitionsLVMFileSystems.pptx
@@ -314,7 +314,7 @@
           <a:p>
             <a:fld id="{3EA744D9-3FBE-48D8-BF2A-85DF203E4D20}" type="datetimeFigureOut">
               <a:rPr lang="bg-BG" smtClean="0"/>
-              <a:t>21.04.17 г.</a:t>
+              <a:t>3.05.17 г.</a:t>
             </a:fld>
             <a:endParaRPr lang="bg-BG"/>
           </a:p>
@@ -484,7 +484,7 @@
           <a:p>
             <a:fld id="{3EA744D9-3FBE-48D8-BF2A-85DF203E4D20}" type="datetimeFigureOut">
               <a:rPr lang="bg-BG" smtClean="0"/>
-              <a:t>21.04.17 г.</a:t>
+              <a:t>3.05.17 г.</a:t>
             </a:fld>
             <a:endParaRPr lang="bg-BG"/>
           </a:p>
@@ -664,7 +664,7 @@
           <a:p>
             <a:fld id="{3EA744D9-3FBE-48D8-BF2A-85DF203E4D20}" type="datetimeFigureOut">
               <a:rPr lang="bg-BG" smtClean="0"/>
-              <a:t>21.04.17 г.</a:t>
+              <a:t>3.05.17 г.</a:t>
             </a:fld>
             <a:endParaRPr lang="bg-BG"/>
           </a:p>
@@ -834,7 +834,7 @@
           <a:p>
             <a:fld id="{3EA744D9-3FBE-48D8-BF2A-85DF203E4D20}" type="datetimeFigureOut">
               <a:rPr lang="bg-BG" smtClean="0"/>
-              <a:t>21.04.17 г.</a:t>
+              <a:t>3.05.17 г.</a:t>
             </a:fld>
             <a:endParaRPr lang="bg-BG"/>
           </a:p>
@@ -1080,7 +1080,7 @@
           <a:p>
             <a:fld id="{3EA744D9-3FBE-48D8-BF2A-85DF203E4D20}" type="datetimeFigureOut">
               <a:rPr lang="bg-BG" smtClean="0"/>
-              <a:t>21.04.17 г.</a:t>
+              <a:t>3.05.17 г.</a:t>
             </a:fld>
             <a:endParaRPr lang="bg-BG"/>
           </a:p>
@@ -1368,7 +1368,7 @@
           <a:p>
             <a:fld id="{3EA744D9-3FBE-48D8-BF2A-85DF203E4D20}" type="datetimeFigureOut">
               <a:rPr lang="bg-BG" smtClean="0"/>
-              <a:t>21.04.17 г.</a:t>
+              <a:t>3.05.17 г.</a:t>
             </a:fld>
             <a:endParaRPr lang="bg-BG"/>
           </a:p>
@@ -1790,7 +1790,7 @@
           <a:p>
             <a:fld id="{3EA744D9-3FBE-48D8-BF2A-85DF203E4D20}" type="datetimeFigureOut">
               <a:rPr lang="bg-BG" smtClean="0"/>
-              <a:t>21.04.17 г.</a:t>
+              <a:t>3.05.17 г.</a:t>
             </a:fld>
             <a:endParaRPr lang="bg-BG"/>
           </a:p>
@@ -1908,7 +1908,7 @@
           <a:p>
             <a:fld id="{3EA744D9-3FBE-48D8-BF2A-85DF203E4D20}" type="datetimeFigureOut">
               <a:rPr lang="bg-BG" smtClean="0"/>
-              <a:t>21.04.17 г.</a:t>
+              <a:t>3.05.17 г.</a:t>
             </a:fld>
             <a:endParaRPr lang="bg-BG"/>
           </a:p>
@@ -2003,7 +2003,7 @@
           <a:p>
             <a:fld id="{3EA744D9-3FBE-48D8-BF2A-85DF203E4D20}" type="datetimeFigureOut">
               <a:rPr lang="bg-BG" smtClean="0"/>
-              <a:t>21.04.17 г.</a:t>
+              <a:t>3.05.17 г.</a:t>
             </a:fld>
             <a:endParaRPr lang="bg-BG"/>
           </a:p>
@@ -2280,7 +2280,7 @@
           <a:p>
             <a:fld id="{3EA744D9-3FBE-48D8-BF2A-85DF203E4D20}" type="datetimeFigureOut">
               <a:rPr lang="bg-BG" smtClean="0"/>
-              <a:t>21.04.17 г.</a:t>
+              <a:t>3.05.17 г.</a:t>
             </a:fld>
             <a:endParaRPr lang="bg-BG"/>
           </a:p>
@@ -2533,7 +2533,7 @@
           <a:p>
             <a:fld id="{3EA744D9-3FBE-48D8-BF2A-85DF203E4D20}" type="datetimeFigureOut">
               <a:rPr lang="bg-BG" smtClean="0"/>
-              <a:t>21.04.17 г.</a:t>
+              <a:t>3.05.17 г.</a:t>
             </a:fld>
             <a:endParaRPr lang="bg-BG"/>
           </a:p>
@@ -2755,7 +2755,7 @@
           <a:p>
             <a:fld id="{3EA744D9-3FBE-48D8-BF2A-85DF203E4D20}" type="datetimeFigureOut">
               <a:rPr lang="bg-BG" smtClean="0"/>
-              <a:t>21.04.17 г.</a:t>
+              <a:t>3.05.17 г.</a:t>
             </a:fld>
             <a:endParaRPr lang="bg-BG"/>
           </a:p>
@@ -3437,23 +3437,7 @@
                   <a:schemeClr val="accent6"/>
                 </a:solidFill>
               </a:rPr>
-              <a:t>					“Blue” </a:t>
-            </a:r>
-            <a:r>
-              <a:rPr lang="en-US" sz="3100" dirty="0" smtClean="0">
-                <a:solidFill>
-                  <a:schemeClr val="accent6"/>
-                </a:solidFill>
-              </a:rPr>
-              <a:t>= partition</a:t>
-            </a:r>
-            <a:r>
-              <a:rPr lang="en-US" sz="3100" dirty="0" smtClean="0">
-                <a:solidFill>
-                  <a:schemeClr val="accent6"/>
-                </a:solidFill>
-              </a:rPr>
-              <a:t>. </a:t>
+              <a:t>					“Blue” = partition. </a:t>
             </a:r>
             <a:br>
               <a:rPr lang="en-US" sz="3100" dirty="0" smtClean="0">
@@ -4260,39 +4244,7 @@
                   <a:schemeClr val="accent6"/>
                 </a:solidFill>
               </a:rPr>
-              <a:t>2. Support for </a:t>
-            </a:r>
-            <a:r>
-              <a:rPr lang="en-US" sz="1400" dirty="0" smtClean="0">
-                <a:solidFill>
-                  <a:schemeClr val="accent6"/>
-                </a:solidFill>
-              </a:rPr>
-              <a:t>snapshot( </a:t>
-            </a:r>
-            <a:r>
-              <a:rPr lang="en-US" sz="1400" dirty="0" smtClean="0">
-                <a:solidFill>
-                  <a:schemeClr val="accent6"/>
-                </a:solidFill>
-              </a:rPr>
-              <a:t>a snapshot keeps the current state of a logical volume and can be used </a:t>
-            </a:r>
-            <a:r>
-              <a:rPr lang="en-US" sz="1400" dirty="0" smtClean="0">
-                <a:solidFill>
-                  <a:schemeClr val="accent6"/>
-                </a:solidFill>
-              </a:rPr>
-              <a:t>to revert </a:t>
-            </a:r>
-            <a:r>
-              <a:rPr lang="en-US" sz="1400" dirty="0" smtClean="0">
-                <a:solidFill>
-                  <a:schemeClr val="accent6"/>
-                </a:solidFill>
-              </a:rPr>
-              <a:t>to a previous situation or to make a backup of the file system on the logical volume )</a:t>
+              <a:t>2. Support for snapshot( a snapshot keeps the current state of a logical volume and can be used to revert to a previous situation or to make a backup of the file system on the logical volume )</a:t>
             </a:r>
             <a:br>
               <a:rPr lang="en-US" sz="1400" dirty="0" smtClean="0">
@@ -4561,15 +4513,7 @@
                   <a:schemeClr val="accent6"/>
                 </a:solidFill>
               </a:rPr>
-              <a:t>and </a:t>
-            </a:r>
-            <a:r>
-              <a:rPr lang="en-US" smtClean="0">
-                <a:solidFill>
-                  <a:schemeClr val="accent6"/>
-                </a:solidFill>
-              </a:rPr>
-              <a:t>mount </a:t>
+              <a:t>and mount </a:t>
             </a:r>
             <a:r>
               <a:rPr lang="en-US" dirty="0" smtClean="0">
@@ -4938,71 +4882,7 @@
                   <a:schemeClr val="accent6"/>
                 </a:solidFill>
               </a:rPr>
-              <a:t>An interface is a channel capable of transferring data in parallel mode – transmitting multiple bits simultaneously. The most common interfaces are </a:t>
-            </a:r>
-            <a:r>
-              <a:rPr lang="en-US" sz="1800" dirty="0" smtClean="0">
-                <a:solidFill>
-                  <a:schemeClr val="accent6"/>
-                </a:solidFill>
-              </a:rPr>
-              <a:t>SCSI and SATA. </a:t>
-            </a:r>
-            <a:r>
-              <a:rPr lang="en-US" sz="1800" dirty="0" smtClean="0">
-                <a:solidFill>
-                  <a:schemeClr val="accent6"/>
-                </a:solidFill>
-              </a:rPr>
-              <a:t>Linux started representing the device with the SCSI/IDE interfaces and </a:t>
-            </a:r>
-            <a:r>
-              <a:rPr lang="en-US" sz="1800" dirty="0" smtClean="0">
-                <a:solidFill>
-                  <a:schemeClr val="accent6"/>
-                </a:solidFill>
-              </a:rPr>
-              <a:t>continued </a:t>
-            </a:r>
-            <a:r>
-              <a:rPr lang="en-US" sz="1800" dirty="0" smtClean="0">
-                <a:solidFill>
-                  <a:schemeClr val="accent6"/>
-                </a:solidFill>
-              </a:rPr>
-              <a:t>to use</a:t>
-            </a:r>
-            <a:r>
-              <a:rPr lang="en-US" sz="1800" dirty="0" smtClean="0">
-                <a:solidFill>
-                  <a:schemeClr val="accent6"/>
-                </a:solidFill>
-              </a:rPr>
-              <a:t> </a:t>
-            </a:r>
-            <a:r>
-              <a:rPr lang="en-US" sz="1800" dirty="0" smtClean="0">
-                <a:solidFill>
-                  <a:schemeClr val="accent6"/>
-                </a:solidFill>
-              </a:rPr>
-              <a:t>just SCSI, no matter that the hard disk might use </a:t>
-            </a:r>
-            <a:r>
-              <a:rPr lang="en-US" sz="1800" dirty="0" smtClean="0">
-                <a:solidFill>
-                  <a:schemeClr val="accent6"/>
-                </a:solidFill>
-              </a:rPr>
-              <a:t>SATA. </a:t>
-            </a:r>
-            <a:r>
-              <a:rPr lang="en-US" sz="1800" dirty="0" smtClean="0">
-                <a:solidFill>
-                  <a:schemeClr val="accent6"/>
-                </a:solidFill>
-              </a:rPr>
-              <a:t>IDEs are no longer used.</a:t>
+              <a:t>An interface is a channel capable of transferring data in parallel mode – transmitting multiple bits simultaneously. The most common interfaces are SCSI and SATA. Linux started representing the device with the SCSI/IDE interfaces and continued to use just SCSI, no matter that the hard disk might use SATA. IDEs are no longer used.</a:t>
             </a:r>
             <a:br>
               <a:rPr lang="en-US" sz="1800" dirty="0" smtClean="0">
@@ -5343,23 +5223,7 @@
                   <a:schemeClr val="accent6"/>
                 </a:solidFill>
               </a:rPr>
-              <a:t>It is stored on the first </a:t>
-            </a:r>
-            <a:r>
-              <a:rPr lang="en-US" sz="2000" dirty="0" smtClean="0">
-                <a:solidFill>
-                  <a:schemeClr val="accent6"/>
-                </a:solidFill>
-              </a:rPr>
-              <a:t>sector ( boot sector ) </a:t>
-            </a:r>
-            <a:r>
-              <a:rPr lang="en-US" sz="2000" dirty="0" smtClean="0">
-                <a:solidFill>
-                  <a:schemeClr val="accent6"/>
-                </a:solidFill>
-              </a:rPr>
-              <a:t>and represents how the hard disk is partitioned and it also loads the boot loader. The limitation of MBR is that only 4 partitions could be created. A workaround is to create an extended partition, within it, a number of logical partitions.</a:t>
+              <a:t>It is stored on the first sector ( boot sector ) and represents how the hard disk is partitioned and it also loads the boot loader. The limitation of MBR is that only 4 partitions could be created. A workaround is to create an extended partition, within it, a number of logical partitions.</a:t>
             </a:r>
             <a:br>
               <a:rPr lang="en-US" sz="2000" dirty="0" smtClean="0">
@@ -5612,31 +5476,7 @@
                   <a:schemeClr val="accent6"/>
                 </a:solidFill>
               </a:rPr>
-              <a:t>3.   Read the manual page </a:t>
-            </a:r>
-            <a:r>
-              <a:rPr lang="en-US" dirty="0" smtClean="0">
-                <a:solidFill>
-                  <a:schemeClr val="accent6"/>
-                </a:solidFill>
-              </a:rPr>
-              <a:t>for</a:t>
-            </a:r>
-            <a:r>
-              <a:rPr lang="en-US" dirty="0" smtClean="0">
-                <a:solidFill>
-                  <a:schemeClr val="accent6"/>
-                </a:solidFill>
-              </a:rPr>
-              <a:t> </a:t>
-            </a:r>
-            <a:r>
-              <a:rPr lang="en-US" dirty="0" smtClean="0">
-                <a:solidFill>
-                  <a:schemeClr val="accent6"/>
-                </a:solidFill>
-              </a:rPr>
-              <a:t>‘</a:t>
+              <a:t>3.   Read the manual page for ‘</a:t>
             </a:r>
             <a:r>
               <a:rPr lang="en-US" dirty="0" err="1" smtClean="0">
@@ -5751,15 +5591,7 @@
                   <a:schemeClr val="bg1"/>
                 </a:solidFill>
               </a:rPr>
-              <a:t>The need for GPT </a:t>
-            </a:r>
-            <a:r>
-              <a:rPr lang="en-US" dirty="0" smtClean="0">
-                <a:solidFill>
-                  <a:schemeClr val="bg1"/>
-                </a:solidFill>
-              </a:rPr>
-              <a:t>Partitions</a:t>
+              <a:t>The need for GPT Partitions</a:t>
             </a:r>
           </a:p>
           <a:p>
@@ -5857,15 +5689,7 @@
                   <a:schemeClr val="accent6"/>
                 </a:solidFill>
               </a:rPr>
-              <a:t> </a:t>
-            </a:r>
-            <a:r>
-              <a:rPr lang="en-US" dirty="0" smtClean="0">
-                <a:solidFill>
-                  <a:schemeClr val="accent6"/>
-                </a:solidFill>
-              </a:rPr>
-              <a:t>partition table is created by default at the end of the disk, which eliminates the single point of failure that exists in MBR. The 2TB limit no longer exists.</a:t>
+              <a:t> partition table is created by default at the end of the disk, which eliminates the single point of failure that exists in MBR. The 2TB limit no longer exists.</a:t>
             </a:r>
           </a:p>
           <a:p>
@@ -6358,15 +6182,7 @@
                   <a:schemeClr val="accent6"/>
                 </a:solidFill>
               </a:rPr>
-              <a:t>’, try to explain it to your </a:t>
-            </a:r>
-            <a:r>
-              <a:rPr lang="en-US" dirty="0" smtClean="0">
-                <a:solidFill>
-                  <a:schemeClr val="accent6"/>
-                </a:solidFill>
-              </a:rPr>
-              <a:t>colleagues ?  </a:t>
+              <a:t>’, try to explain it to your colleagues ?  </a:t>
             </a:r>
             <a:endParaRPr lang="en-US" dirty="0">
               <a:solidFill>
@@ -6694,19 +6510,58 @@
               </a:rPr>
               <a:t> </a:t>
             </a:r>
-            <a:br>
+            <a:r>
               <a:rPr lang="en-US" sz="2200" dirty="0" smtClean="0">
                 <a:solidFill>
                   <a:schemeClr val="accent6"/>
                 </a:solidFill>
               </a:rPr>
-            </a:br>
-            <a:r>
+              <a:t/>
+            </a:r>
+            <a:br>
               <a:rPr lang="en-US" sz="2200" dirty="0" smtClean="0">
                 <a:solidFill>
                   <a:schemeClr val="accent6"/>
                 </a:solidFill>
               </a:rPr>
+            </a:br>
+            <a:r>
+              <a:rPr lang="en-US" sz="2200" dirty="0" smtClean="0">
+                <a:solidFill>
+                  <a:schemeClr val="accent6"/>
+                </a:solidFill>
+              </a:rPr>
+              <a:t>0.3 man </a:t>
+            </a:r>
+            <a:r>
+              <a:rPr lang="en-US" sz="2200" dirty="0" err="1" smtClean="0">
+                <a:solidFill>
+                  <a:schemeClr val="accent6"/>
+                </a:solidFill>
+              </a:rPr>
+              <a:t>mkfs</a:t>
+            </a:r>
+            <a:r>
+              <a:rPr lang="en-US" sz="2200" dirty="0" smtClean="0">
+                <a:solidFill>
+                  <a:schemeClr val="accent6"/>
+                </a:solidFill>
+              </a:rPr>
+              <a:t/>
+            </a:r>
+            <a:br>
+              <a:rPr lang="en-US" sz="2200" dirty="0" smtClean="0">
+                <a:solidFill>
+                  <a:schemeClr val="accent6"/>
+                </a:solidFill>
+              </a:rPr>
+            </a:br>
+            <a:r>
+              <a:rPr lang="en-US" sz="2200" dirty="0" smtClean="0">
+                <a:solidFill>
+                  <a:schemeClr val="accent6"/>
+                </a:solidFill>
+              </a:rPr>
               <a:t>1. Blocking device(partition)</a:t>
             </a:r>
             <a:br>
@@ -6747,35 +6602,59 @@
               </a:rPr>
             </a:br>
             <a:r>
+              <a:rPr lang="en-US" sz="2200" dirty="0" err="1" smtClean="0">
+                <a:solidFill>
+                  <a:schemeClr val="bg1"/>
+                </a:solidFill>
+              </a:rPr>
+              <a:t>mkfs</a:t>
+            </a:r>
+            <a:r>
               <a:rPr lang="en-US" sz="2200" dirty="0" smtClean="0">
                 <a:solidFill>
-                  <a:schemeClr val="accent6"/>
-                </a:solidFill>
-              </a:rPr>
-              <a:t/>
-            </a:r>
-            <a:br>
+                  <a:schemeClr val="bg1"/>
+                </a:solidFill>
+              </a:rPr>
+              <a:t> </a:t>
+            </a:r>
+            <a:r>
+              <a:rPr lang="mr-IN" sz="2200" dirty="0" smtClean="0">
+                <a:solidFill>
+                  <a:schemeClr val="bg1"/>
+                </a:solidFill>
+              </a:rPr>
+              <a:t>–</a:t>
+            </a:r>
+            <a:r>
               <a:rPr lang="en-US" sz="2200" dirty="0" smtClean="0">
                 <a:solidFill>
-                  <a:schemeClr val="accent6"/>
-                </a:solidFill>
-              </a:rPr>
-            </a:br>
+                  <a:schemeClr val="bg1"/>
+                </a:solidFill>
+              </a:rPr>
+              <a:t>t ext4 /dev/sdb1 </a:t>
+            </a:r>
             <a:r>
               <a:rPr lang="en-US" sz="2200" dirty="0" smtClean="0">
                 <a:solidFill>
                   <a:schemeClr val="accent6"/>
                 </a:solidFill>
               </a:rPr>
-              <a:t>Example =&gt; </a:t>
-            </a:r>
-            <a:r>
+              <a:t>=&gt; analyze the output </a:t>
+            </a:r>
+            <a:br>
               <a:rPr lang="en-US" sz="2200" dirty="0" smtClean="0">
                 <a:solidFill>
+                  <a:schemeClr val="accent6"/>
+                </a:solidFill>
+              </a:rPr>
+            </a:br>
+            <a:r>
+              <a:rPr lang="en-US" sz="2200" dirty="0" smtClean="0">
+                <a:solidFill>
                   <a:schemeClr val="bg1"/>
                 </a:solidFill>
               </a:rPr>
-              <a:t>mount –t ext4 /dev/sda2 /</a:t>
+              <a:t>mount /dev/sdb1 /</a:t>
             </a:r>
             <a:r>
               <a:rPr lang="en-US" sz="2200" dirty="0" err="1" smtClean="0">
@@ -6788,10 +6667,40 @@
             <a:r>
               <a:rPr lang="en-US" sz="2200" dirty="0" smtClean="0">
                 <a:solidFill>
-                  <a:schemeClr val="accent6"/>
-                </a:solidFill>
-              </a:rPr>
-              <a:t>; </a:t>
+                  <a:schemeClr val="bg1"/>
+                </a:solidFill>
+              </a:rPr>
+              <a:t/>
+            </a:r>
+            <a:br>
+              <a:rPr lang="en-US" sz="2200" dirty="0" smtClean="0">
+                <a:solidFill>
+                  <a:schemeClr val="bg1"/>
+                </a:solidFill>
+              </a:rPr>
+            </a:br>
+            <a:r>
+              <a:rPr lang="en-US" sz="2200" dirty="0" smtClean="0">
+                <a:solidFill>
+                  <a:schemeClr val="accent6"/>
+                </a:solidFill>
+              </a:rPr>
+              <a:t/>
+            </a:r>
+            <a:br>
+              <a:rPr lang="en-US" sz="2200" dirty="0" smtClean="0">
+                <a:solidFill>
+                  <a:schemeClr val="accent6"/>
+                </a:solidFill>
+              </a:rPr>
+            </a:br>
+            <a:r>
+              <a:rPr lang="en-US" sz="2200" dirty="0" smtClean="0">
+                <a:solidFill>
+                  <a:schemeClr val="accent6"/>
+                </a:solidFill>
+              </a:rPr>
+              <a:t> </a:t>
             </a:r>
             <a:r>
               <a:rPr lang="en-US" sz="2200" dirty="0" err="1" smtClean="0">
@@ -7973,14 +7882,6 @@
                 </a:solidFill>
               </a:rPr>
               <a:t>3. What if it happens again ?</a:t>
-            </a:r>
-            <a:r>
-              <a:rPr lang="en-US" sz="1800" dirty="0" smtClean="0">
-                <a:solidFill>
-                  <a:schemeClr val="accent6"/>
-                </a:solidFill>
-              </a:rPr>
-              <a:t/>
             </a:r>
             <a:br>
               <a:rPr lang="en-US" sz="1800" dirty="0" smtClean="0">

--- a/08.Partitions_And_LVM_And_Filesystems/08-PartitionsLVMFileSystems.pptx
+++ b/08.Partitions_And_LVM_And_Filesystems/08-PartitionsLVMFileSystems.pptx
@@ -314,7 +314,7 @@
           <a:p>
             <a:fld id="{3EA744D9-3FBE-48D8-BF2A-85DF203E4D20}" type="datetimeFigureOut">
               <a:rPr lang="bg-BG" smtClean="0"/>
-              <a:t>3.05.17 г.</a:t>
+              <a:t>4.05.17 г.</a:t>
             </a:fld>
             <a:endParaRPr lang="bg-BG"/>
           </a:p>
@@ -484,7 +484,7 @@
           <a:p>
             <a:fld id="{3EA744D9-3FBE-48D8-BF2A-85DF203E4D20}" type="datetimeFigureOut">
               <a:rPr lang="bg-BG" smtClean="0"/>
-              <a:t>3.05.17 г.</a:t>
+              <a:t>4.05.17 г.</a:t>
             </a:fld>
             <a:endParaRPr lang="bg-BG"/>
           </a:p>
@@ -664,7 +664,7 @@
           <a:p>
             <a:fld id="{3EA744D9-3FBE-48D8-BF2A-85DF203E4D20}" type="datetimeFigureOut">
               <a:rPr lang="bg-BG" smtClean="0"/>
-              <a:t>3.05.17 г.</a:t>
+              <a:t>4.05.17 г.</a:t>
             </a:fld>
             <a:endParaRPr lang="bg-BG"/>
           </a:p>
@@ -834,7 +834,7 @@
           <a:p>
             <a:fld id="{3EA744D9-3FBE-48D8-BF2A-85DF203E4D20}" type="datetimeFigureOut">
               <a:rPr lang="bg-BG" smtClean="0"/>
-              <a:t>3.05.17 г.</a:t>
+              <a:t>4.05.17 г.</a:t>
             </a:fld>
             <a:endParaRPr lang="bg-BG"/>
           </a:p>
@@ -1080,7 +1080,7 @@
           <a:p>
             <a:fld id="{3EA744D9-3FBE-48D8-BF2A-85DF203E4D20}" type="datetimeFigureOut">
               <a:rPr lang="bg-BG" smtClean="0"/>
-              <a:t>3.05.17 г.</a:t>
+              <a:t>4.05.17 г.</a:t>
             </a:fld>
             <a:endParaRPr lang="bg-BG"/>
           </a:p>
@@ -1368,7 +1368,7 @@
           <a:p>
             <a:fld id="{3EA744D9-3FBE-48D8-BF2A-85DF203E4D20}" type="datetimeFigureOut">
               <a:rPr lang="bg-BG" smtClean="0"/>
-              <a:t>3.05.17 г.</a:t>
+              <a:t>4.05.17 г.</a:t>
             </a:fld>
             <a:endParaRPr lang="bg-BG"/>
           </a:p>
@@ -1790,7 +1790,7 @@
           <a:p>
             <a:fld id="{3EA744D9-3FBE-48D8-BF2A-85DF203E4D20}" type="datetimeFigureOut">
               <a:rPr lang="bg-BG" smtClean="0"/>
-              <a:t>3.05.17 г.</a:t>
+              <a:t>4.05.17 г.</a:t>
             </a:fld>
             <a:endParaRPr lang="bg-BG"/>
           </a:p>
@@ -1908,7 +1908,7 @@
           <a:p>
             <a:fld id="{3EA744D9-3FBE-48D8-BF2A-85DF203E4D20}" type="datetimeFigureOut">
               <a:rPr lang="bg-BG" smtClean="0"/>
-              <a:t>3.05.17 г.</a:t>
+              <a:t>4.05.17 г.</a:t>
             </a:fld>
             <a:endParaRPr lang="bg-BG"/>
           </a:p>
@@ -2003,7 +2003,7 @@
           <a:p>
             <a:fld id="{3EA744D9-3FBE-48D8-BF2A-85DF203E4D20}" type="datetimeFigureOut">
               <a:rPr lang="bg-BG" smtClean="0"/>
-              <a:t>3.05.17 г.</a:t>
+              <a:t>4.05.17 г.</a:t>
             </a:fld>
             <a:endParaRPr lang="bg-BG"/>
           </a:p>
@@ -2280,7 +2280,7 @@
           <a:p>
             <a:fld id="{3EA744D9-3FBE-48D8-BF2A-85DF203E4D20}" type="datetimeFigureOut">
               <a:rPr lang="bg-BG" smtClean="0"/>
-              <a:t>3.05.17 г.</a:t>
+              <a:t>4.05.17 г.</a:t>
             </a:fld>
             <a:endParaRPr lang="bg-BG"/>
           </a:p>
@@ -2533,7 +2533,7 @@
           <a:p>
             <a:fld id="{3EA744D9-3FBE-48D8-BF2A-85DF203E4D20}" type="datetimeFigureOut">
               <a:rPr lang="bg-BG" smtClean="0"/>
-              <a:t>3.05.17 г.</a:t>
+              <a:t>4.05.17 г.</a:t>
             </a:fld>
             <a:endParaRPr lang="bg-BG"/>
           </a:p>
@@ -2755,7 +2755,7 @@
           <a:p>
             <a:fld id="{3EA744D9-3FBE-48D8-BF2A-85DF203E4D20}" type="datetimeFigureOut">
               <a:rPr lang="bg-BG" smtClean="0"/>
-              <a:t>3.05.17 г.</a:t>
+              <a:t>4.05.17 г.</a:t>
             </a:fld>
             <a:endParaRPr lang="bg-BG"/>
           </a:p>
@@ -4116,26 +4116,90 @@
                   <a:schemeClr val="accent6"/>
                 </a:solidFill>
               </a:rPr>
-              <a:t>5. Create a volume group of the two disks called ‘container’, make 3 logical volumes out of it called ‘logical_volume_1’, ‘logical_volume_2’ and ‘logical_volume_3’</a:t>
-            </a:r>
-            <a:br>
+              <a:t>5. Create a volume group of the two disks called ‘</a:t>
+            </a:r>
+            <a:r>
               <a:rPr lang="en-US" sz="1400" dirty="0" smtClean="0">
                 <a:solidFill>
-                  <a:schemeClr val="accent6"/>
-                </a:solidFill>
-              </a:rPr>
-            </a:br>
+                  <a:schemeClr val="bg1"/>
+                </a:solidFill>
+              </a:rPr>
+              <a:t>container</a:t>
+            </a:r>
             <a:r>
               <a:rPr lang="en-US" sz="1400" dirty="0" smtClean="0">
                 <a:solidFill>
                   <a:schemeClr val="accent6"/>
                 </a:solidFill>
               </a:rPr>
-              <a:t/>
-            </a:r>
-            <a:br>
+              <a:t>’, make 3 logical volumes out of it called ‘</a:t>
+            </a:r>
+            <a:r>
               <a:rPr lang="en-US" sz="1400" dirty="0" smtClean="0">
                 <a:solidFill>
+                  <a:schemeClr val="bg1"/>
+                </a:solidFill>
+              </a:rPr>
+              <a:t>logical_volume_1</a:t>
+            </a:r>
+            <a:r>
+              <a:rPr lang="en-US" sz="1400" dirty="0" smtClean="0">
+                <a:solidFill>
+                  <a:schemeClr val="accent6"/>
+                </a:solidFill>
+              </a:rPr>
+              <a:t>’, ‘</a:t>
+            </a:r>
+            <a:r>
+              <a:rPr lang="en-US" sz="1400" dirty="0" smtClean="0">
+                <a:solidFill>
+                  <a:schemeClr val="bg1"/>
+                </a:solidFill>
+              </a:rPr>
+              <a:t>logical_volume_2</a:t>
+            </a:r>
+            <a:r>
+              <a:rPr lang="en-US" sz="1400" dirty="0" smtClean="0">
+                <a:solidFill>
+                  <a:schemeClr val="accent6"/>
+                </a:solidFill>
+              </a:rPr>
+              <a:t>’ and ‘</a:t>
+            </a:r>
+            <a:r>
+              <a:rPr lang="en-US" sz="1400" dirty="0" smtClean="0">
+                <a:solidFill>
+                  <a:schemeClr val="bg1"/>
+                </a:solidFill>
+              </a:rPr>
+              <a:t>logical_volume_3</a:t>
+            </a:r>
+            <a:r>
+              <a:rPr lang="en-US" sz="1400" dirty="0" smtClean="0">
+                <a:solidFill>
+                  <a:schemeClr val="accent6"/>
+                </a:solidFill>
+              </a:rPr>
+              <a:t>’</a:t>
+            </a:r>
+            <a:br>
+              <a:rPr lang="en-US" sz="1400" dirty="0" smtClean="0">
+                <a:solidFill>
+                  <a:schemeClr val="accent6"/>
+                </a:solidFill>
+              </a:rPr>
+            </a:br>
+            <a:r>
+              <a:rPr lang="en-US" sz="1400" dirty="0" smtClean="0">
+                <a:solidFill>
+                  <a:schemeClr val="accent6"/>
+                </a:solidFill>
+              </a:rPr>
+              <a:t/>
+            </a:r>
+            <a:br>
+              <a:rPr lang="en-US" sz="1400" dirty="0" smtClean="0">
+                <a:solidFill>
                   <a:schemeClr val="accent6"/>
                 </a:solidFill>
               </a:rPr>
@@ -4158,7 +4222,7 @@
             <a:r>
               <a:rPr lang="en-US" sz="1400" dirty="0" smtClean="0">
                 <a:solidFill>
-                  <a:schemeClr val="accent5"/>
+                  <a:srgbClr val="FF0000"/>
                 </a:solidFill>
               </a:rPr>
               <a:t>Why LVM is great ? </a:t>
@@ -4505,28 +4569,20 @@
                   <a:schemeClr val="accent6"/>
                 </a:solidFill>
               </a:rPr>
-              <a:t>) </a:t>
-            </a:r>
-            <a:r>
-              <a:rPr lang="en-US" smtClean="0">
-                <a:solidFill>
-                  <a:schemeClr val="accent6"/>
-                </a:solidFill>
-              </a:rPr>
-              <a:t>and mount </a:t>
+              <a:t>) and mount them in </a:t>
             </a:r>
             <a:r>
               <a:rPr lang="en-US" dirty="0" smtClean="0">
                 <a:solidFill>
-                  <a:schemeClr val="accent6"/>
-                </a:solidFill>
-              </a:rPr>
-              <a:t>them in /</a:t>
+                  <a:schemeClr val="bg1"/>
+                </a:solidFill>
+              </a:rPr>
+              <a:t>/</a:t>
             </a:r>
             <a:r>
               <a:rPr lang="en-US" dirty="0" err="1" smtClean="0">
                 <a:solidFill>
-                  <a:schemeClr val="accent6"/>
+                  <a:schemeClr val="bg1"/>
                 </a:solidFill>
               </a:rPr>
               <a:t>etc</a:t>
@@ -4534,7 +4590,7 @@
             <a:r>
               <a:rPr lang="en-US" dirty="0" smtClean="0">
                 <a:solidFill>
-                  <a:schemeClr val="accent6"/>
+                  <a:schemeClr val="bg1"/>
                 </a:solidFill>
               </a:rPr>
               <a:t>/</a:t>
@@ -4542,7 +4598,7 @@
             <a:r>
               <a:rPr lang="en-US" dirty="0" err="1" smtClean="0">
                 <a:solidFill>
-                  <a:schemeClr val="accent6"/>
+                  <a:schemeClr val="bg1"/>
                 </a:solidFill>
               </a:rPr>
               <a:t>fstab</a:t>
@@ -6510,14 +6566,6 @@
               </a:rPr>
               <a:t> </a:t>
             </a:r>
-            <a:r>
-              <a:rPr lang="en-US" sz="2200" dirty="0" smtClean="0">
-                <a:solidFill>
-                  <a:schemeClr val="accent6"/>
-                </a:solidFill>
-              </a:rPr>
-              <a:t/>
-            </a:r>
             <a:br>
               <a:rPr lang="en-US" sz="2200" dirty="0" smtClean="0">
                 <a:solidFill>
@@ -7449,12 +7497,20 @@
                   <a:schemeClr val="accent6"/>
                 </a:solidFill>
               </a:rPr>
-              <a:t>In the /</a:t>
+              <a:t>In the </a:t>
+            </a:r>
+            <a:r>
+              <a:rPr lang="en-US" sz="2000" dirty="0" smtClean="0">
+                <a:solidFill>
+                  <a:schemeClr val="bg1"/>
+                </a:solidFill>
+              </a:rPr>
+              <a:t>/</a:t>
             </a:r>
             <a:r>
               <a:rPr lang="en-US" sz="2000" dirty="0" err="1" smtClean="0">
                 <a:solidFill>
-                  <a:schemeClr val="accent6"/>
+                  <a:schemeClr val="bg1"/>
                 </a:solidFill>
               </a:rPr>
               <a:t>etc</a:t>
@@ -7462,7 +7518,7 @@
             <a:r>
               <a:rPr lang="en-US" sz="2000" dirty="0" smtClean="0">
                 <a:solidFill>
-                  <a:schemeClr val="accent6"/>
+                  <a:schemeClr val="bg1"/>
                 </a:solidFill>
               </a:rPr>
               <a:t>/</a:t>
@@ -7470,7 +7526,7 @@
             <a:r>
               <a:rPr lang="en-US" sz="2000" dirty="0" err="1" smtClean="0">
                 <a:solidFill>
-                  <a:schemeClr val="accent6"/>
+                  <a:schemeClr val="bg1"/>
                 </a:solidFill>
               </a:rPr>
               <a:t>fstab</a:t>
@@ -7478,10 +7534,18 @@
             <a:r>
               <a:rPr lang="en-US" sz="2000" dirty="0" smtClean="0">
                 <a:solidFill>
-                  <a:schemeClr val="accent6"/>
-                </a:solidFill>
-              </a:rPr>
-              <a:t> file systems will be mounted automatically on a reboot or immediately with ‘mount –</a:t>
+                  <a:schemeClr val="bg1"/>
+                </a:solidFill>
+              </a:rPr>
+              <a:t> </a:t>
+            </a:r>
+            <a:r>
+              <a:rPr lang="en-US" sz="2000" dirty="0" smtClean="0">
+                <a:solidFill>
+                  <a:schemeClr val="accent6"/>
+                </a:solidFill>
+              </a:rPr>
+              <a:t>file systems will be mounted automatically on a reboot or immediately with ‘mount –</a:t>
             </a:r>
             <a:r>
               <a:rPr lang="en-US" sz="2000" dirty="0" err="1" smtClean="0">

--- a/08.Partitions_And_LVM_And_Filesystems/08-PartitionsLVMFileSystems.pptx
+++ b/08.Partitions_And_LVM_And_Filesystems/08-PartitionsLVMFileSystems.pptx
@@ -314,7 +314,7 @@
           <a:p>
             <a:fld id="{3EA744D9-3FBE-48D8-BF2A-85DF203E4D20}" type="datetimeFigureOut">
               <a:rPr lang="bg-BG" smtClean="0"/>
-              <a:t>4.05.17 г.</a:t>
+              <a:t>5.05.17 г.</a:t>
             </a:fld>
             <a:endParaRPr lang="bg-BG"/>
           </a:p>
@@ -484,7 +484,7 @@
           <a:p>
             <a:fld id="{3EA744D9-3FBE-48D8-BF2A-85DF203E4D20}" type="datetimeFigureOut">
               <a:rPr lang="bg-BG" smtClean="0"/>
-              <a:t>4.05.17 г.</a:t>
+              <a:t>5.05.17 г.</a:t>
             </a:fld>
             <a:endParaRPr lang="bg-BG"/>
           </a:p>
@@ -664,7 +664,7 @@
           <a:p>
             <a:fld id="{3EA744D9-3FBE-48D8-BF2A-85DF203E4D20}" type="datetimeFigureOut">
               <a:rPr lang="bg-BG" smtClean="0"/>
-              <a:t>4.05.17 г.</a:t>
+              <a:t>5.05.17 г.</a:t>
             </a:fld>
             <a:endParaRPr lang="bg-BG"/>
           </a:p>
@@ -834,7 +834,7 @@
           <a:p>
             <a:fld id="{3EA744D9-3FBE-48D8-BF2A-85DF203E4D20}" type="datetimeFigureOut">
               <a:rPr lang="bg-BG" smtClean="0"/>
-              <a:t>4.05.17 г.</a:t>
+              <a:t>5.05.17 г.</a:t>
             </a:fld>
             <a:endParaRPr lang="bg-BG"/>
           </a:p>
@@ -1080,7 +1080,7 @@
           <a:p>
             <a:fld id="{3EA744D9-3FBE-48D8-BF2A-85DF203E4D20}" type="datetimeFigureOut">
               <a:rPr lang="bg-BG" smtClean="0"/>
-              <a:t>4.05.17 г.</a:t>
+              <a:t>5.05.17 г.</a:t>
             </a:fld>
             <a:endParaRPr lang="bg-BG"/>
           </a:p>
@@ -1368,7 +1368,7 @@
           <a:p>
             <a:fld id="{3EA744D9-3FBE-48D8-BF2A-85DF203E4D20}" type="datetimeFigureOut">
               <a:rPr lang="bg-BG" smtClean="0"/>
-              <a:t>4.05.17 г.</a:t>
+              <a:t>5.05.17 г.</a:t>
             </a:fld>
             <a:endParaRPr lang="bg-BG"/>
           </a:p>
@@ -1790,7 +1790,7 @@
           <a:p>
             <a:fld id="{3EA744D9-3FBE-48D8-BF2A-85DF203E4D20}" type="datetimeFigureOut">
               <a:rPr lang="bg-BG" smtClean="0"/>
-              <a:t>4.05.17 г.</a:t>
+              <a:t>5.05.17 г.</a:t>
             </a:fld>
             <a:endParaRPr lang="bg-BG"/>
           </a:p>
@@ -1908,7 +1908,7 @@
           <a:p>
             <a:fld id="{3EA744D9-3FBE-48D8-BF2A-85DF203E4D20}" type="datetimeFigureOut">
               <a:rPr lang="bg-BG" smtClean="0"/>
-              <a:t>4.05.17 г.</a:t>
+              <a:t>5.05.17 г.</a:t>
             </a:fld>
             <a:endParaRPr lang="bg-BG"/>
           </a:p>
@@ -2003,7 +2003,7 @@
           <a:p>
             <a:fld id="{3EA744D9-3FBE-48D8-BF2A-85DF203E4D20}" type="datetimeFigureOut">
               <a:rPr lang="bg-BG" smtClean="0"/>
-              <a:t>4.05.17 г.</a:t>
+              <a:t>5.05.17 г.</a:t>
             </a:fld>
             <a:endParaRPr lang="bg-BG"/>
           </a:p>
@@ -2280,7 +2280,7 @@
           <a:p>
             <a:fld id="{3EA744D9-3FBE-48D8-BF2A-85DF203E4D20}" type="datetimeFigureOut">
               <a:rPr lang="bg-BG" smtClean="0"/>
-              <a:t>4.05.17 г.</a:t>
+              <a:t>5.05.17 г.</a:t>
             </a:fld>
             <a:endParaRPr lang="bg-BG"/>
           </a:p>
@@ -2533,7 +2533,7 @@
           <a:p>
             <a:fld id="{3EA744D9-3FBE-48D8-BF2A-85DF203E4D20}" type="datetimeFigureOut">
               <a:rPr lang="bg-BG" smtClean="0"/>
-              <a:t>4.05.17 г.</a:t>
+              <a:t>5.05.17 г.</a:t>
             </a:fld>
             <a:endParaRPr lang="bg-BG"/>
           </a:p>
@@ -2755,7 +2755,7 @@
           <a:p>
             <a:fld id="{3EA744D9-3FBE-48D8-BF2A-85DF203E4D20}" type="datetimeFigureOut">
               <a:rPr lang="bg-BG" smtClean="0"/>
-              <a:t>4.05.17 г.</a:t>
+              <a:t>5.05.17 г.</a:t>
             </a:fld>
             <a:endParaRPr lang="bg-BG"/>
           </a:p>
@@ -7545,15 +7545,31 @@
                   <a:schemeClr val="accent6"/>
                 </a:solidFill>
               </a:rPr>
-              <a:t>file systems will be mounted automatically on a reboot or immediately with ‘mount –</a:t>
+              <a:t>file systems will be mounted automatically on a reboot or immediately with ‘</a:t>
+            </a:r>
+            <a:r>
+              <a:rPr lang="en-US" sz="2000" dirty="0" smtClean="0">
+                <a:solidFill>
+                  <a:schemeClr val="bg2"/>
+                </a:solidFill>
+              </a:rPr>
+              <a:t>mount –</a:t>
             </a:r>
             <a:r>
               <a:rPr lang="en-US" sz="2000" dirty="0" err="1" smtClean="0">
                 <a:solidFill>
-                  <a:schemeClr val="accent6"/>
-                </a:solidFill>
-              </a:rPr>
-              <a:t>a’</a:t>
+                  <a:schemeClr val="bg2"/>
+                </a:solidFill>
+              </a:rPr>
+              <a:t>a</a:t>
+            </a:r>
+            <a:r>
+              <a:rPr lang="en-US" sz="2000" dirty="0" err="1" smtClean="0">
+                <a:solidFill>
+                  <a:schemeClr val="accent6"/>
+                </a:solidFill>
+              </a:rPr>
+              <a:t>’</a:t>
             </a:r>
             <a:r>
               <a:rPr lang="en-US" sz="2000" dirty="0" smtClean="0">
